--- a/Soutenance_Projet_Math_Info_Zenaidi_Rayane_Bulfone_Noé_Iltis_Lucas.PPTX
+++ b/Soutenance_Projet_Math_Info_Zenaidi_Rayane_Bulfone_Noé_Iltis_Lucas.PPTX
@@ -137,6 +137,9 @@
         </p14:section>
       </p14:sectionLst>
     </p:ext>
+    <p:ext uri="{EFAFB233-063F-42B5-8137-9DF3F51BA10A}">
+      <p15:sldGuideLst xmlns:p15="http://schemas.microsoft.com/office/powerpoint/2012/main"/>
+    </p:ext>
   </p:extLst>
 </p:presentation>
 </file>
@@ -223,7 +226,7 @@
           <a:p>
             <a:fld id="{B0189057-24BD-4966-96CF-ABE32089E7A5}" type="datetimeFigureOut">
               <a:rPr lang="fr-FR" smtClean="0"/>
-              <a:t>04/05/2024</a:t>
+              <a:t>05/05/2024</a:t>
             </a:fld>
             <a:endParaRPr lang="fr-FR"/>
           </a:p>
@@ -637,7 +640,7 @@
           <a:p>
             <a:fld id="{ABC95366-3204-4F46-8977-660251A6C6BF}" type="datetime1">
               <a:rPr lang="fr-FR" smtClean="0"/>
-              <a:t>04/05/2024</a:t>
+              <a:t>05/05/2024</a:t>
             </a:fld>
             <a:endParaRPr lang="fr-FR"/>
           </a:p>
@@ -835,7 +838,7 @@
           <a:p>
             <a:fld id="{B38BA8D4-8FDC-471E-B6B1-7FD532D60C0B}" type="datetime1">
               <a:rPr lang="fr-FR" smtClean="0"/>
-              <a:t>04/05/2024</a:t>
+              <a:t>05/05/2024</a:t>
             </a:fld>
             <a:endParaRPr lang="fr-FR"/>
           </a:p>
@@ -1043,7 +1046,7 @@
           <a:p>
             <a:fld id="{0135BACD-A787-4C3C-BB5A-C8ECACB57C33}" type="datetime1">
               <a:rPr lang="fr-FR" smtClean="0"/>
-              <a:t>04/05/2024</a:t>
+              <a:t>05/05/2024</a:t>
             </a:fld>
             <a:endParaRPr lang="fr-FR"/>
           </a:p>
@@ -1241,7 +1244,7 @@
           <a:p>
             <a:fld id="{450ADA06-49FA-478D-A752-ABFD3540D829}" type="datetime1">
               <a:rPr lang="fr-FR" smtClean="0"/>
-              <a:t>04/05/2024</a:t>
+              <a:t>05/05/2024</a:t>
             </a:fld>
             <a:endParaRPr lang="fr-FR"/>
           </a:p>
@@ -1516,7 +1519,7 @@
           <a:p>
             <a:fld id="{779E2FCB-2BA6-4C7B-9892-4602055492E5}" type="datetime1">
               <a:rPr lang="fr-FR" smtClean="0"/>
-              <a:t>04/05/2024</a:t>
+              <a:t>05/05/2024</a:t>
             </a:fld>
             <a:endParaRPr lang="fr-FR"/>
           </a:p>
@@ -1781,7 +1784,7 @@
           <a:p>
             <a:fld id="{7C66F494-80DA-428D-91ED-45C960EBAD95}" type="datetime1">
               <a:rPr lang="fr-FR" smtClean="0"/>
-              <a:t>04/05/2024</a:t>
+              <a:t>05/05/2024</a:t>
             </a:fld>
             <a:endParaRPr lang="fr-FR"/>
           </a:p>
@@ -2193,7 +2196,7 @@
           <a:p>
             <a:fld id="{9EA42435-7480-48A0-BB7E-3F56D7B291C7}" type="datetime1">
               <a:rPr lang="fr-FR" smtClean="0"/>
-              <a:t>04/05/2024</a:t>
+              <a:t>05/05/2024</a:t>
             </a:fld>
             <a:endParaRPr lang="fr-FR"/>
           </a:p>
@@ -2334,7 +2337,7 @@
           <a:p>
             <a:fld id="{0386B472-F7AD-4BE4-A020-ECF715506EEA}" type="datetime1">
               <a:rPr lang="fr-FR" smtClean="0"/>
-              <a:t>04/05/2024</a:t>
+              <a:t>05/05/2024</a:t>
             </a:fld>
             <a:endParaRPr lang="fr-FR"/>
           </a:p>
@@ -2447,7 +2450,7 @@
           <a:p>
             <a:fld id="{8B7F71A5-90A8-4F8B-B04B-2BEFDF915D3B}" type="datetime1">
               <a:rPr lang="fr-FR" smtClean="0"/>
-              <a:t>04/05/2024</a:t>
+              <a:t>05/05/2024</a:t>
             </a:fld>
             <a:endParaRPr lang="fr-FR"/>
           </a:p>
@@ -2758,7 +2761,7 @@
           <a:p>
             <a:fld id="{19ECC2AF-2A42-49C2-9DFB-C17A553DDC14}" type="datetime1">
               <a:rPr lang="fr-FR" smtClean="0"/>
-              <a:t>04/05/2024</a:t>
+              <a:t>05/05/2024</a:t>
             </a:fld>
             <a:endParaRPr lang="fr-FR"/>
           </a:p>
@@ -3046,7 +3049,7 @@
           <a:p>
             <a:fld id="{837A464D-C681-4DD8-AC19-D69635B5F406}" type="datetime1">
               <a:rPr lang="fr-FR" smtClean="0"/>
-              <a:t>04/05/2024</a:t>
+              <a:t>05/05/2024</a:t>
             </a:fld>
             <a:endParaRPr lang="fr-FR"/>
           </a:p>
@@ -3287,7 +3290,7 @@
           <a:p>
             <a:fld id="{139C8F48-9ABD-4EA2-B730-451C0BEE9261}" type="datetime1">
               <a:rPr lang="fr-FR" smtClean="0"/>
-              <a:t>04/05/2024</a:t>
+              <a:t>05/05/2024</a:t>
             </a:fld>
             <a:endParaRPr lang="fr-FR"/>
           </a:p>
@@ -4659,7 +4662,127 @@
         </p:nvSpPr>
         <p:spPr>
           <a:xfrm>
-            <a:off x="4063758" y="668660"/>
+            <a:off x="1929460" y="5328894"/>
+            <a:ext cx="7942133" cy="369332"/>
+          </a:xfrm>
+          <a:prstGeom prst="rect">
+            <a:avLst/>
+          </a:prstGeom>
+          <a:noFill/>
+        </p:spPr>
+        <p:txBody>
+          <a:bodyPr wrap="square">
+            <a:spAutoFit/>
+          </a:bodyPr>
+          <a:lstStyle/>
+          <a:p>
+            <a:pPr algn="ctr"/>
+            <a:r>
+              <a:rPr lang="fr-FR" i="1" dirty="0">
+                <a:latin typeface="Arial" panose="020B0604020202020204" pitchFamily="34" charset="0"/>
+                <a:cs typeface="Arial" panose="020B0604020202020204" pitchFamily="34" charset="0"/>
+              </a:rPr>
+              <a:t>Nombre de labyrinthes différents en fonction de leur taille</a:t>
+            </a:r>
+            <a:endParaRPr kumimoji="0" lang="en-US" altLang="fr-FR" i="1" strike="noStrike" cap="none" normalizeH="0" baseline="0" dirty="0">
+              <a:ln>
+                <a:noFill/>
+              </a:ln>
+              <a:solidFill>
+                <a:schemeClr val="tx1"/>
+              </a:solidFill>
+              <a:effectLst/>
+              <a:latin typeface="Arial" panose="020B0604020202020204" pitchFamily="34" charset="0"/>
+              <a:cs typeface="Arial" panose="020B0604020202020204" pitchFamily="34" charset="0"/>
+            </a:endParaRPr>
+          </a:p>
+        </p:txBody>
+      </p:sp>
+      <p:pic>
+        <p:nvPicPr>
+          <p:cNvPr id="9" name="Image 8">
+            <a:extLst>
+              <a:ext uri="{FF2B5EF4-FFF2-40B4-BE49-F238E27FC236}">
+                <a16:creationId xmlns:a16="http://schemas.microsoft.com/office/drawing/2014/main" id="{C2F58702-EF22-B772-B83B-E2547C1641A1}"/>
+              </a:ext>
+            </a:extLst>
+          </p:cNvPr>
+          <p:cNvPicPr>
+            <a:picLocks noChangeAspect="1"/>
+          </p:cNvPicPr>
+          <p:nvPr/>
+        </p:nvPicPr>
+        <p:blipFill rotWithShape="1">
+          <a:blip r:embed="rId2">
+            <a:extLst>
+              <a:ext uri="{28A0092B-C50C-407E-A947-70E740481C1C}">
+                <a14:useLocalDpi xmlns:a14="http://schemas.microsoft.com/office/drawing/2010/main" val="0"/>
+              </a:ext>
+            </a:extLst>
+          </a:blip>
+          <a:srcRect t="5734"/>
+          <a:stretch/>
+        </p:blipFill>
+        <p:spPr>
+          <a:xfrm>
+            <a:off x="813984" y="1347170"/>
+            <a:ext cx="5086543" cy="3779295"/>
+          </a:xfrm>
+          <a:prstGeom prst="rect">
+            <a:avLst/>
+          </a:prstGeom>
+        </p:spPr>
+      </p:pic>
+      <p:pic>
+        <p:nvPicPr>
+          <p:cNvPr id="3" name="Image 2">
+            <a:extLst>
+              <a:ext uri="{FF2B5EF4-FFF2-40B4-BE49-F238E27FC236}">
+                <a16:creationId xmlns:a16="http://schemas.microsoft.com/office/drawing/2014/main" id="{D6ACB088-90DE-9E58-7EF8-A146A03125B7}"/>
+              </a:ext>
+            </a:extLst>
+          </p:cNvPr>
+          <p:cNvPicPr>
+            <a:picLocks noChangeAspect="1"/>
+          </p:cNvPicPr>
+          <p:nvPr/>
+        </p:nvPicPr>
+        <p:blipFill rotWithShape="1">
+          <a:blip r:embed="rId3">
+            <a:extLst>
+              <a:ext uri="{28A0092B-C50C-407E-A947-70E740481C1C}">
+                <a14:useLocalDpi xmlns:a14="http://schemas.microsoft.com/office/drawing/2010/main" val="0"/>
+              </a:ext>
+            </a:extLst>
+          </a:blip>
+          <a:srcRect t="6892"/>
+          <a:stretch/>
+        </p:blipFill>
+        <p:spPr>
+          <a:xfrm>
+            <a:off x="5900527" y="1368110"/>
+            <a:ext cx="5412034" cy="3779295"/>
+          </a:xfrm>
+          <a:prstGeom prst="rect">
+            <a:avLst/>
+          </a:prstGeom>
+        </p:spPr>
+      </p:pic>
+      <p:sp>
+        <p:nvSpPr>
+          <p:cNvPr id="6" name="ZoneTexte 5">
+            <a:extLst>
+              <a:ext uri="{FF2B5EF4-FFF2-40B4-BE49-F238E27FC236}">
+                <a16:creationId xmlns:a16="http://schemas.microsoft.com/office/drawing/2014/main" id="{0A7DE445-631F-9339-E566-C27F28225115}"/>
+              </a:ext>
+            </a:extLst>
+          </p:cNvPr>
+          <p:cNvSpPr txBox="1"/>
+          <p:nvPr/>
+        </p:nvSpPr>
+        <p:spPr>
+          <a:xfrm>
+            <a:off x="4063758" y="443744"/>
             <a:ext cx="4064484" cy="477054"/>
           </a:xfrm>
           <a:prstGeom prst="rect">
@@ -4691,78 +4814,6 @@
           </a:p>
         </p:txBody>
       </p:sp>
-      <p:pic>
-        <p:nvPicPr>
-          <p:cNvPr id="7" name="Image 6">
-            <a:extLst>
-              <a:ext uri="{FF2B5EF4-FFF2-40B4-BE49-F238E27FC236}">
-                <a16:creationId xmlns:a16="http://schemas.microsoft.com/office/drawing/2014/main" id="{93A6CD76-33C6-E0E0-1C75-92CED7B5AAF8}"/>
-              </a:ext>
-            </a:extLst>
-          </p:cNvPr>
-          <p:cNvPicPr>
-            <a:picLocks noChangeAspect="1"/>
-          </p:cNvPicPr>
-          <p:nvPr/>
-        </p:nvPicPr>
-        <p:blipFill>
-          <a:blip r:embed="rId2">
-            <a:extLst>
-              <a:ext uri="{28A0092B-C50C-407E-A947-70E740481C1C}">
-                <a14:useLocalDpi xmlns:a14="http://schemas.microsoft.com/office/drawing/2010/main" val="0"/>
-              </a:ext>
-            </a:extLst>
-          </a:blip>
-          <a:stretch>
-            <a:fillRect/>
-          </a:stretch>
-        </p:blipFill>
-        <p:spPr>
-          <a:xfrm>
-            <a:off x="602649" y="1569236"/>
-            <a:ext cx="5266954" cy="4151384"/>
-          </a:xfrm>
-          <a:prstGeom prst="rect">
-            <a:avLst/>
-          </a:prstGeom>
-        </p:spPr>
-      </p:pic>
-      <p:pic>
-        <p:nvPicPr>
-          <p:cNvPr id="9" name="Image 8">
-            <a:extLst>
-              <a:ext uri="{FF2B5EF4-FFF2-40B4-BE49-F238E27FC236}">
-                <a16:creationId xmlns:a16="http://schemas.microsoft.com/office/drawing/2014/main" id="{C2F58702-EF22-B772-B83B-E2547C1641A1}"/>
-              </a:ext>
-            </a:extLst>
-          </p:cNvPr>
-          <p:cNvPicPr>
-            <a:picLocks noChangeAspect="1"/>
-          </p:cNvPicPr>
-          <p:nvPr/>
-        </p:nvPicPr>
-        <p:blipFill>
-          <a:blip r:embed="rId3">
-            <a:extLst>
-              <a:ext uri="{28A0092B-C50C-407E-A947-70E740481C1C}">
-                <a14:useLocalDpi xmlns:a14="http://schemas.microsoft.com/office/drawing/2010/main" val="0"/>
-              </a:ext>
-            </a:extLst>
-          </a:blip>
-          <a:stretch>
-            <a:fillRect/>
-          </a:stretch>
-        </p:blipFill>
-        <p:spPr>
-          <a:xfrm>
-            <a:off x="6502808" y="1569236"/>
-            <a:ext cx="5086543" cy="4009185"/>
-          </a:xfrm>
-          <a:prstGeom prst="rect">
-            <a:avLst/>
-          </a:prstGeom>
-        </p:spPr>
-      </p:pic>
     </p:spTree>
     <p:extLst>
       <p:ext uri="{BB962C8B-B14F-4D97-AF65-F5344CB8AC3E}">
@@ -4819,6 +4870,241 @@
               <a:t>11</a:t>
             </a:fld>
             <a:endParaRPr lang="fr-FR"/>
+          </a:p>
+        </p:txBody>
+      </p:sp>
+      <p:sp>
+        <p:nvSpPr>
+          <p:cNvPr id="2" name="ZoneTexte 1">
+            <a:extLst>
+              <a:ext uri="{FF2B5EF4-FFF2-40B4-BE49-F238E27FC236}">
+                <a16:creationId xmlns:a16="http://schemas.microsoft.com/office/drawing/2014/main" id="{386ADC2D-488D-0423-D141-DA968FD0D3F3}"/>
+              </a:ext>
+            </a:extLst>
+          </p:cNvPr>
+          <p:cNvSpPr txBox="1"/>
+          <p:nvPr/>
+        </p:nvSpPr>
+        <p:spPr>
+          <a:xfrm>
+            <a:off x="4063758" y="443744"/>
+            <a:ext cx="4064484" cy="477054"/>
+          </a:xfrm>
+          <a:prstGeom prst="rect">
+            <a:avLst/>
+          </a:prstGeom>
+          <a:noFill/>
+        </p:spPr>
+        <p:txBody>
+          <a:bodyPr wrap="square">
+            <a:spAutoFit/>
+          </a:bodyPr>
+          <a:lstStyle/>
+          <a:p>
+            <a:pPr algn="ctr"/>
+            <a:r>
+              <a:rPr kumimoji="0" lang="fr-FR" altLang="fr-FR" sz="2500" b="1" i="0" u="sng" strike="noStrike" cap="none" normalizeH="0" baseline="0" dirty="0">
+                <a:ln>
+                  <a:noFill/>
+                </a:ln>
+                <a:solidFill>
+                  <a:schemeClr val="tx1"/>
+                </a:solidFill>
+                <a:effectLst/>
+                <a:latin typeface="Arial" panose="020B0604020202020204" pitchFamily="34" charset="0"/>
+              </a:rPr>
+              <a:t>Conclusion</a:t>
+            </a:r>
+            <a:endParaRPr kumimoji="0" lang="en-US" altLang="fr-FR" sz="2500" b="0" i="0" u="sng" strike="noStrike" cap="none" normalizeH="0" baseline="0" dirty="0">
+              <a:ln>
+                <a:noFill/>
+              </a:ln>
+              <a:solidFill>
+                <a:schemeClr val="tx1"/>
+              </a:solidFill>
+              <a:effectLst/>
+              <a:latin typeface="Arial" panose="020B0604020202020204" pitchFamily="34" charset="0"/>
+            </a:endParaRPr>
+          </a:p>
+        </p:txBody>
+      </p:sp>
+      <p:pic>
+        <p:nvPicPr>
+          <p:cNvPr id="5" name="Image 4">
+            <a:extLst>
+              <a:ext uri="{FF2B5EF4-FFF2-40B4-BE49-F238E27FC236}">
+                <a16:creationId xmlns:a16="http://schemas.microsoft.com/office/drawing/2014/main" id="{B9DFE074-EB31-EA67-CADC-2C64618DCEE6}"/>
+              </a:ext>
+            </a:extLst>
+          </p:cNvPr>
+          <p:cNvPicPr>
+            <a:picLocks noChangeAspect="1"/>
+          </p:cNvPicPr>
+          <p:nvPr/>
+        </p:nvPicPr>
+        <p:blipFill>
+          <a:blip r:embed="rId2">
+            <a:extLst>
+              <a:ext uri="{28A0092B-C50C-407E-A947-70E740481C1C}">
+                <a14:useLocalDpi xmlns:a14="http://schemas.microsoft.com/office/drawing/2010/main" val="0"/>
+              </a:ext>
+            </a:extLst>
+          </a:blip>
+          <a:stretch>
+            <a:fillRect/>
+          </a:stretch>
+        </p:blipFill>
+        <p:spPr>
+          <a:xfrm>
+            <a:off x="1328170" y="2006039"/>
+            <a:ext cx="3806725" cy="2845922"/>
+          </a:xfrm>
+          <a:prstGeom prst="rect">
+            <a:avLst/>
+          </a:prstGeom>
+        </p:spPr>
+      </p:pic>
+      <p:pic>
+        <p:nvPicPr>
+          <p:cNvPr id="7" name="Image 6">
+            <a:extLst>
+              <a:ext uri="{FF2B5EF4-FFF2-40B4-BE49-F238E27FC236}">
+                <a16:creationId xmlns:a16="http://schemas.microsoft.com/office/drawing/2014/main" id="{BE173487-22A9-5F5A-F3A5-B4E1D0EEDDC5}"/>
+              </a:ext>
+            </a:extLst>
+          </p:cNvPr>
+          <p:cNvPicPr>
+            <a:picLocks noChangeAspect="1"/>
+          </p:cNvPicPr>
+          <p:nvPr/>
+        </p:nvPicPr>
+        <p:blipFill>
+          <a:blip r:embed="rId3">
+            <a:extLst>
+              <a:ext uri="{28A0092B-C50C-407E-A947-70E740481C1C}">
+                <a14:useLocalDpi xmlns:a14="http://schemas.microsoft.com/office/drawing/2010/main" val="0"/>
+              </a:ext>
+            </a:extLst>
+          </a:blip>
+          <a:stretch>
+            <a:fillRect/>
+          </a:stretch>
+        </p:blipFill>
+        <p:spPr>
+          <a:xfrm>
+            <a:off x="6886893" y="2080144"/>
+            <a:ext cx="3806725" cy="2827657"/>
+          </a:xfrm>
+          <a:prstGeom prst="rect">
+            <a:avLst/>
+          </a:prstGeom>
+        </p:spPr>
+      </p:pic>
+      <p:sp>
+        <p:nvSpPr>
+          <p:cNvPr id="9" name="ZoneTexte 8">
+            <a:extLst>
+              <a:ext uri="{FF2B5EF4-FFF2-40B4-BE49-F238E27FC236}">
+                <a16:creationId xmlns:a16="http://schemas.microsoft.com/office/drawing/2014/main" id="{E7A60247-E041-8902-453D-798BF4E839A3}"/>
+              </a:ext>
+            </a:extLst>
+          </p:cNvPr>
+          <p:cNvSpPr txBox="1"/>
+          <p:nvPr/>
+        </p:nvSpPr>
+        <p:spPr>
+          <a:xfrm>
+            <a:off x="2103614" y="5046360"/>
+            <a:ext cx="2255835" cy="369332"/>
+          </a:xfrm>
+          <a:prstGeom prst="rect">
+            <a:avLst/>
+          </a:prstGeom>
+          <a:noFill/>
+        </p:spPr>
+        <p:txBody>
+          <a:bodyPr wrap="square">
+            <a:spAutoFit/>
+          </a:bodyPr>
+          <a:lstStyle/>
+          <a:p>
+            <a:r>
+              <a:rPr kumimoji="0" lang="fr-FR" altLang="fr-FR" sz="1800" i="1" strike="noStrike" cap="none" normalizeH="0" baseline="0" dirty="0">
+                <a:ln>
+                  <a:noFill/>
+                </a:ln>
+                <a:effectLst/>
+                <a:latin typeface="Arial" panose="020B0604020202020204" pitchFamily="34" charset="0"/>
+              </a:rPr>
+              <a:t>Labyrinthe </a:t>
+            </a:r>
+            <a:r>
+              <a:rPr lang="fr-FR" altLang="fr-FR" i="1" dirty="0">
+                <a:latin typeface="Arial" panose="020B0604020202020204" pitchFamily="34" charset="0"/>
+              </a:rPr>
+              <a:t>100*100</a:t>
+            </a:r>
+            <a:endParaRPr kumimoji="0" lang="fr-FR" altLang="fr-FR" sz="1800" i="1" strike="noStrike" cap="none" normalizeH="0" baseline="0" dirty="0">
+              <a:ln>
+                <a:noFill/>
+              </a:ln>
+              <a:effectLst/>
+              <a:latin typeface="Arial" panose="020B0604020202020204" pitchFamily="34" charset="0"/>
+            </a:endParaRPr>
+          </a:p>
+        </p:txBody>
+      </p:sp>
+      <p:sp>
+        <p:nvSpPr>
+          <p:cNvPr id="10" name="ZoneTexte 9">
+            <a:extLst>
+              <a:ext uri="{FF2B5EF4-FFF2-40B4-BE49-F238E27FC236}">
+                <a16:creationId xmlns:a16="http://schemas.microsoft.com/office/drawing/2014/main" id="{BD965CE3-2CB0-4467-D5B2-682BA5555E00}"/>
+              </a:ext>
+            </a:extLst>
+          </p:cNvPr>
+          <p:cNvSpPr txBox="1"/>
+          <p:nvPr/>
+        </p:nvSpPr>
+        <p:spPr>
+          <a:xfrm>
+            <a:off x="6758013" y="5046360"/>
+            <a:ext cx="4064484" cy="369332"/>
+          </a:xfrm>
+          <a:prstGeom prst="rect">
+            <a:avLst/>
+          </a:prstGeom>
+          <a:noFill/>
+        </p:spPr>
+        <p:txBody>
+          <a:bodyPr wrap="square">
+            <a:spAutoFit/>
+          </a:bodyPr>
+          <a:lstStyle/>
+          <a:p>
+            <a:r>
+              <a:rPr kumimoji="0" lang="fr-FR" altLang="fr-FR" sz="1800" i="1" strike="noStrike" cap="none" normalizeH="0" baseline="0" dirty="0">
+                <a:ln>
+                  <a:noFill/>
+                </a:ln>
+                <a:effectLst/>
+                <a:latin typeface="Arial" panose="020B0604020202020204" pitchFamily="34" charset="0"/>
+              </a:rPr>
+              <a:t>Solution unique d’un labyrinthe 2</a:t>
+            </a:r>
+            <a:r>
+              <a:rPr lang="fr-FR" altLang="fr-FR" i="1" dirty="0">
+                <a:latin typeface="Arial" panose="020B0604020202020204" pitchFamily="34" charset="0"/>
+              </a:rPr>
+              <a:t>0*20</a:t>
+            </a:r>
+            <a:endParaRPr kumimoji="0" lang="fr-FR" altLang="fr-FR" sz="1800" i="1" strike="noStrike" cap="none" normalizeH="0" baseline="0" dirty="0">
+              <a:ln>
+                <a:noFill/>
+              </a:ln>
+              <a:effectLst/>
+              <a:latin typeface="Arial" panose="020B0604020202020204" pitchFamily="34" charset="0"/>
+            </a:endParaRPr>
           </a:p>
         </p:txBody>
       </p:sp>
@@ -5030,7 +5316,7 @@
               <a:buChar char="•"/>
             </a:pPr>
             <a:r>
-              <a:rPr lang="fr-FR" sz="2400" b="1" dirty="0"/>
+              <a:rPr lang="fr-FR" sz="2300" b="1" dirty="0"/>
               <a:t>Structure de données et Génération</a:t>
             </a:r>
           </a:p>
@@ -5043,7 +5329,7 @@
               <a:buChar char="•"/>
             </a:pPr>
             <a:r>
-              <a:rPr lang="fr-FR" sz="2200" b="1" dirty="0"/>
+              <a:rPr lang="fr-FR" sz="2300" b="1" dirty="0"/>
               <a:t>Modélisation et visualisation</a:t>
             </a:r>
           </a:p>
@@ -5095,7 +5381,7 @@
               <a:buChar char="•"/>
             </a:pPr>
             <a:r>
-              <a:rPr lang="fr-FR" sz="2200" b="1" dirty="0"/>
+              <a:rPr lang="fr-FR" sz="2300" b="1" dirty="0"/>
               <a:t>Énumération</a:t>
             </a:r>
           </a:p>
@@ -6480,7 +6766,7 @@
               <a:t>Complexité : </a:t>
             </a:r>
             <a:r>
-              <a:rPr lang="fr-FR" sz="1600" dirty="0"/>
+              <a:rPr lang="fr-FR" sz="1700" dirty="0"/>
               <a:t>O((n*m))</a:t>
             </a:r>
             <a:endParaRPr kumimoji="0" lang="fr-FR" altLang="fr-FR" sz="1700" i="0" strike="noStrike" cap="none" normalizeH="0" baseline="0" dirty="0">
@@ -7911,8 +8197,8 @@
         </p:nvSpPr>
         <p:spPr>
           <a:xfrm>
-            <a:off x="2896902" y="4734236"/>
-            <a:ext cx="6398196" cy="323165"/>
+            <a:off x="2483840" y="4845111"/>
+            <a:ext cx="7224319" cy="353943"/>
           </a:xfrm>
           <a:prstGeom prst="rect">
             <a:avLst/>
@@ -7926,7 +8212,7 @@
           <a:lstStyle/>
           <a:p>
             <a:r>
-              <a:rPr kumimoji="0" lang="fr-FR" altLang="fr-FR" sz="1500" i="1" strike="noStrike" cap="none" normalizeH="0" baseline="0" dirty="0">
+              <a:rPr kumimoji="0" lang="fr-FR" altLang="fr-FR" sz="1700" i="1" strike="noStrike" cap="none" normalizeH="0" baseline="0" dirty="0">
                 <a:ln>
                   <a:noFill/>
                 </a:ln>
@@ -8335,8 +8621,8 @@
         </p:nvSpPr>
         <p:spPr>
           <a:xfrm>
-            <a:off x="2896902" y="4748249"/>
-            <a:ext cx="6398196" cy="323165"/>
+            <a:off x="2546661" y="4718358"/>
+            <a:ext cx="7098677" cy="353943"/>
           </a:xfrm>
           <a:prstGeom prst="rect">
             <a:avLst/>
@@ -8350,7 +8636,7 @@
           <a:lstStyle/>
           <a:p>
             <a:r>
-              <a:rPr kumimoji="0" lang="fr-FR" altLang="fr-FR" sz="1500" i="1" strike="noStrike" cap="none" normalizeH="0" baseline="0" dirty="0">
+              <a:rPr kumimoji="0" lang="fr-FR" altLang="fr-FR" sz="1700" i="1" strike="noStrike" cap="none" normalizeH="0" baseline="0" dirty="0">
                 <a:ln>
                   <a:noFill/>
                 </a:ln>
@@ -8363,7 +8649,7 @@
               <a:t>Algorithme renvoyant le nombre de labyrinthes </a:t>
             </a:r>
             <a:r>
-              <a:rPr kumimoji="0" lang="fr-FR" altLang="fr-FR" sz="1500" b="1" i="1" strike="noStrike" cap="none" normalizeH="0" baseline="0" dirty="0">
+              <a:rPr kumimoji="0" lang="fr-FR" altLang="fr-FR" sz="1700" b="1" i="1" strike="noStrike" cap="none" normalizeH="0" baseline="0" dirty="0">
                 <a:ln>
                   <a:noFill/>
                 </a:ln>
@@ -8376,7 +8662,7 @@
               <a:t>différents</a:t>
             </a:r>
             <a:r>
-              <a:rPr kumimoji="0" lang="fr-FR" altLang="fr-FR" sz="1500" i="1" strike="noStrike" cap="none" normalizeH="0" baseline="0" dirty="0">
+              <a:rPr kumimoji="0" lang="fr-FR" altLang="fr-FR" sz="1700" i="1" strike="noStrike" cap="none" normalizeH="0" baseline="0" dirty="0">
                 <a:ln>
                   <a:noFill/>
                 </a:ln>
